--- a/presentation/self_introduction_20141027.pptx
+++ b/presentation/self_introduction_20141027.pptx
@@ -207,7 +207,7 @@
           <a:p>
             <a:fld id="{8EC891C8-8DCD-594E-A382-5B0D00CE6B9E}" type="datetimeFigureOut">
               <a:rPr kumimoji="1" lang="ja-JP" altLang="en-US" smtClean="0"/>
-              <a:t>2014/10/27</a:t>
+              <a:t>2015/07/01</a:t>
             </a:fld>
             <a:endParaRPr kumimoji="1" lang="ja-JP" altLang="en-US"/>
           </a:p>
@@ -1534,7 +1534,7 @@
           <a:p>
             <a:fld id="{03C315F3-44B5-A844-92AF-243D2A6F9784}" type="datetimeFigureOut">
               <a:rPr kumimoji="1" lang="ja-JP" altLang="en-US" smtClean="0"/>
-              <a:t>2014/10/27</a:t>
+              <a:t>2015/07/01</a:t>
             </a:fld>
             <a:endParaRPr kumimoji="1" lang="ja-JP" altLang="en-US"/>
           </a:p>
@@ -1736,7 +1736,7 @@
           <a:p>
             <a:fld id="{03C315F3-44B5-A844-92AF-243D2A6F9784}" type="datetimeFigureOut">
               <a:rPr kumimoji="1" lang="ja-JP" altLang="en-US" smtClean="0"/>
-              <a:t>2014/10/27</a:t>
+              <a:t>2015/07/01</a:t>
             </a:fld>
             <a:endParaRPr kumimoji="1" lang="ja-JP" altLang="en-US"/>
           </a:p>
@@ -1948,7 +1948,7 @@
           <a:p>
             <a:fld id="{03C315F3-44B5-A844-92AF-243D2A6F9784}" type="datetimeFigureOut">
               <a:rPr kumimoji="1" lang="ja-JP" altLang="en-US" smtClean="0"/>
-              <a:t>2014/10/27</a:t>
+              <a:t>2015/07/01</a:t>
             </a:fld>
             <a:endParaRPr kumimoji="1" lang="ja-JP" altLang="en-US"/>
           </a:p>
@@ -2150,7 +2150,7 @@
           <a:p>
             <a:fld id="{03C315F3-44B5-A844-92AF-243D2A6F9784}" type="datetimeFigureOut">
               <a:rPr kumimoji="1" lang="ja-JP" altLang="en-US" smtClean="0"/>
-              <a:t>2014/10/27</a:t>
+              <a:t>2015/07/01</a:t>
             </a:fld>
             <a:endParaRPr kumimoji="1" lang="ja-JP" altLang="en-US"/>
           </a:p>
@@ -2396,7 +2396,7 @@
           <a:p>
             <a:fld id="{03C315F3-44B5-A844-92AF-243D2A6F9784}" type="datetimeFigureOut">
               <a:rPr kumimoji="1" lang="ja-JP" altLang="en-US" smtClean="0"/>
-              <a:t>2014/10/27</a:t>
+              <a:t>2015/07/01</a:t>
             </a:fld>
             <a:endParaRPr kumimoji="1" lang="ja-JP" altLang="en-US"/>
           </a:p>
@@ -2748,7 +2748,7 @@
           <a:p>
             <a:fld id="{03C315F3-44B5-A844-92AF-243D2A6F9784}" type="datetimeFigureOut">
               <a:rPr kumimoji="1" lang="ja-JP" altLang="en-US" smtClean="0"/>
-              <a:t>2014/10/27</a:t>
+              <a:t>2015/07/01</a:t>
             </a:fld>
             <a:endParaRPr kumimoji="1" lang="ja-JP" altLang="en-US"/>
           </a:p>
@@ -3234,7 +3234,7 @@
           <a:p>
             <a:fld id="{03C315F3-44B5-A844-92AF-243D2A6F9784}" type="datetimeFigureOut">
               <a:rPr kumimoji="1" lang="ja-JP" altLang="en-US" smtClean="0"/>
-              <a:t>2014/10/27</a:t>
+              <a:t>2015/07/01</a:t>
             </a:fld>
             <a:endParaRPr kumimoji="1" lang="ja-JP" altLang="en-US"/>
           </a:p>
@@ -3352,7 +3352,7 @@
           <a:p>
             <a:fld id="{03C315F3-44B5-A844-92AF-243D2A6F9784}" type="datetimeFigureOut">
               <a:rPr kumimoji="1" lang="ja-JP" altLang="en-US" smtClean="0"/>
-              <a:t>2014/10/27</a:t>
+              <a:t>2015/07/01</a:t>
             </a:fld>
             <a:endParaRPr kumimoji="1" lang="ja-JP" altLang="en-US"/>
           </a:p>
@@ -3447,7 +3447,7 @@
           <a:p>
             <a:fld id="{03C315F3-44B5-A844-92AF-243D2A6F9784}" type="datetimeFigureOut">
               <a:rPr kumimoji="1" lang="ja-JP" altLang="en-US" smtClean="0"/>
-              <a:t>2014/10/27</a:t>
+              <a:t>2015/07/01</a:t>
             </a:fld>
             <a:endParaRPr kumimoji="1" lang="ja-JP" altLang="en-US"/>
           </a:p>
@@ -3756,7 +3756,7 @@
           <a:p>
             <a:fld id="{03C315F3-44B5-A844-92AF-243D2A6F9784}" type="datetimeFigureOut">
               <a:rPr kumimoji="1" lang="ja-JP" altLang="en-US" smtClean="0"/>
-              <a:t>2014/10/27</a:t>
+              <a:t>2015/07/01</a:t>
             </a:fld>
             <a:endParaRPr kumimoji="1" lang="ja-JP" altLang="en-US"/>
           </a:p>
@@ -4009,7 +4009,7 @@
           <a:p>
             <a:fld id="{03C315F3-44B5-A844-92AF-243D2A6F9784}" type="datetimeFigureOut">
               <a:rPr kumimoji="1" lang="ja-JP" altLang="en-US" smtClean="0"/>
-              <a:t>2014/10/27</a:t>
+              <a:t>2015/07/01</a:t>
             </a:fld>
             <a:endParaRPr kumimoji="1" lang="ja-JP" altLang="en-US"/>
           </a:p>
@@ -4254,7 +4254,7 @@
           <a:p>
             <a:fld id="{03C315F3-44B5-A844-92AF-243D2A6F9784}" type="datetimeFigureOut">
               <a:rPr kumimoji="1" lang="ja-JP" altLang="en-US" smtClean="0"/>
-              <a:t>2014/10/27</a:t>
+              <a:t>2015/07/01</a:t>
             </a:fld>
             <a:endParaRPr kumimoji="1" lang="ja-JP" altLang="en-US"/>
           </a:p>
@@ -8891,15 +8891,7 @@
             <a:pPr algn="l"/>
             <a:r>
               <a:rPr lang="ja-JP" altLang="en-US" sz="2400" dirty="0" smtClean="0"/>
-              <a:t>金沢大学</a:t>
-            </a:r>
-            <a:r>
-              <a:rPr lang="ja-JP" altLang="en-US" sz="2400" dirty="0" smtClean="0"/>
-              <a:t>美術</a:t>
-            </a:r>
-            <a:r>
-              <a:rPr lang="ja-JP" altLang="en-US" sz="2400" dirty="0" smtClean="0"/>
-              <a:t>部新歓展</a:t>
+              <a:t>金沢大学美術部新歓展</a:t>
             </a:r>
             <a:endParaRPr lang="ja-JP" altLang="en-US" sz="2400" dirty="0"/>
           </a:p>
@@ -9193,15 +9185,7 @@
           <a:p>
             <a:r>
               <a:rPr lang="ja-JP" altLang="en-US" dirty="0" smtClean="0"/>
-              <a:t>面白法人カヤック</a:t>
-            </a:r>
-            <a:r>
-              <a:rPr lang="ja-JP" altLang="en-US" dirty="0" smtClean="0"/>
-              <a:t>所属</a:t>
-            </a:r>
-            <a:r>
-              <a:rPr lang="ja-JP" altLang="en-US" dirty="0" smtClean="0"/>
-              <a:t>（</a:t>
+              <a:t>面白法人カヤック所属（</a:t>
             </a:r>
             <a:r>
               <a:rPr lang="en-US" altLang="ja-JP" dirty="0" smtClean="0"/>
@@ -9226,13 +9210,7 @@
               <a:rPr kumimoji="1" lang="en-US" altLang="ja-JP" dirty="0" smtClean="0">
                 <a:hlinkClick r:id="rId3"/>
               </a:rPr>
-              <a:t>http://butchi.jp</a:t>
-            </a:r>
-            <a:r>
-              <a:rPr kumimoji="1" lang="en-US" altLang="ja-JP" dirty="0" smtClean="0">
-                <a:hlinkClick r:id="rId3"/>
-              </a:rPr>
-              <a:t>/</a:t>
+              <a:t>http://butchi.jp/</a:t>
             </a:r>
             <a:endParaRPr kumimoji="1" lang="en-US" altLang="ja-JP" dirty="0" smtClean="0"/>
           </a:p>
@@ -9428,8 +9406,8 @@
         </p:nvSpPr>
         <p:spPr>
           <a:xfrm>
-            <a:off x="464951" y="5891640"/>
-            <a:ext cx="8297614" cy="646331"/>
+            <a:off x="1306689" y="5891640"/>
+            <a:ext cx="6614160" cy="646331"/>
           </a:xfrm>
           <a:prstGeom prst="rect">
             <a:avLst/>
@@ -9445,15 +9423,23 @@
             <a:pPr algn="ctr"/>
             <a:r>
               <a:rPr lang="ja-JP" altLang="en-US" sz="3600" dirty="0" smtClean="0"/>
-              <a:t>ノートン</a:t>
+              <a:t>戦後</a:t>
             </a:r>
             <a:r>
               <a:rPr lang="en-US" altLang="ja-JP" sz="3600" dirty="0" smtClean="0"/>
-              <a:t>TABTRICK </a:t>
+              <a:t>70</a:t>
             </a:r>
             <a:r>
               <a:rPr lang="ja-JP" altLang="en-US" sz="3600" dirty="0" smtClean="0"/>
-              <a:t>恐怖のタブレットマジック</a:t>
+              <a:t>年　ニッポンの家族（</a:t>
+            </a:r>
+            <a:r>
+              <a:rPr lang="en-US" altLang="ja-JP" sz="3600" dirty="0" smtClean="0"/>
+              <a:t>NHK</a:t>
+            </a:r>
+            <a:r>
+              <a:rPr lang="ja-JP" altLang="en-US" sz="3600" dirty="0" smtClean="0"/>
+              <a:t>）</a:t>
             </a:r>
             <a:endParaRPr kumimoji="1" lang="ja-JP" altLang="en-US" sz="3600" dirty="0"/>
           </a:p>
@@ -9461,7 +9447,7 @@
       </p:sp>
       <p:pic>
         <p:nvPicPr>
-          <p:cNvPr id="6" name="図 5"/>
+          <p:cNvPr id="4" name="図 3"/>
           <p:cNvPicPr>
             <a:picLocks noChangeAspect="1"/>
           </p:cNvPicPr>
@@ -9475,8 +9461,8 @@
         </p:blipFill>
         <p:spPr>
           <a:xfrm>
-            <a:off x="876397" y="1589284"/>
-            <a:ext cx="7426026" cy="4177140"/>
+            <a:off x="654538" y="1219078"/>
+            <a:ext cx="7834924" cy="4407144"/>
           </a:xfrm>
           <a:prstGeom prst="rect">
             <a:avLst/>

--- a/presentation/self_introduction_20141027.pptx
+++ b/presentation/self_introduction_20141027.pptx
@@ -9185,15 +9185,23 @@
           <a:p>
             <a:r>
               <a:rPr lang="ja-JP" altLang="en-US" dirty="0" smtClean="0"/>
-              <a:t>面白法人カヤック所属（</a:t>
-            </a:r>
-            <a:r>
-              <a:rPr lang="en-US" altLang="ja-JP" dirty="0" smtClean="0"/>
-              <a:t>3</a:t>
+              <a:t>面白法人カヤック所属</a:t>
             </a:r>
             <a:r>
               <a:rPr lang="ja-JP" altLang="en-US" dirty="0" smtClean="0"/>
-              <a:t>年目）</a:t>
+              <a:t>（</a:t>
+            </a:r>
+            <a:r>
+              <a:rPr lang="en-US" altLang="ja-JP" dirty="0"/>
+              <a:t>4</a:t>
+            </a:r>
+            <a:r>
+              <a:rPr lang="ja-JP" altLang="en-US" dirty="0" smtClean="0"/>
+              <a:t>年目</a:t>
+            </a:r>
+            <a:r>
+              <a:rPr lang="ja-JP" altLang="en-US" dirty="0" smtClean="0"/>
+              <a:t>）</a:t>
             </a:r>
             <a:endParaRPr lang="en-US" altLang="ja-JP" dirty="0" smtClean="0"/>
           </a:p>
